--- a/raspberry_Ecoarium/tkinter_img/ecoarium_imgset.pptx
+++ b/raspberry_Ecoarium/tkinter_img/ecoarium_imgset.pptx
@@ -6174,155 +6174,70 @@
             </p:txBody>
           </p:sp>
         </p:grpSp>
-        <p:grpSp>
-          <p:nvGrpSpPr>
-            <p:cNvPr id="31" name="그룹 30">
+        <p:sp>
+          <p:nvSpPr>
+            <p:cNvPr id="30" name="TextBox 29">
               <a:extLst>
                 <a:ext uri="{FF2B5EF4-FFF2-40B4-BE49-F238E27FC236}">
-                  <a16:creationId xmlns:a16="http://schemas.microsoft.com/office/drawing/2014/main" id="{E920B7AF-D9A3-51A5-B4A5-B9AD0C689183}"/>
+                  <a16:creationId xmlns:a16="http://schemas.microsoft.com/office/drawing/2014/main" id="{39216D8F-E31D-075C-BBF8-A2D8864498B8}"/>
                 </a:ext>
               </a:extLst>
             </p:cNvPr>
-            <p:cNvGrpSpPr/>
+            <p:cNvSpPr txBox="1"/>
             <p:nvPr/>
-          </p:nvGrpSpPr>
-          <p:grpSpPr>
+          </p:nvSpPr>
+          <p:spPr>
             <a:xfrm>
-              <a:off x="3079855" y="3603346"/>
-              <a:ext cx="3103560" cy="677108"/>
-              <a:chOff x="7959497" y="4138499"/>
-              <a:chExt cx="3103560" cy="677108"/>
+              <a:off x="3450922" y="3603346"/>
+              <a:ext cx="2732493" cy="677108"/>
             </a:xfrm>
-          </p:grpSpPr>
-          <p:pic>
-            <p:nvPicPr>
-              <p:cNvPr id="1032" name="Picture 8" descr="View aa13245's full-sized avatar">
-                <a:extLst>
-                  <a:ext uri="{FF2B5EF4-FFF2-40B4-BE49-F238E27FC236}">
-                    <a16:creationId xmlns:a16="http://schemas.microsoft.com/office/drawing/2014/main" id="{96B45A26-323F-6717-74EC-EC7EB81F00CE}"/>
-                  </a:ext>
-                </a:extLst>
-              </p:cNvPr>
-              <p:cNvPicPr>
-                <a:picLocks noChangeAspect="1" noChangeArrowheads="1"/>
-              </p:cNvPicPr>
-              <p:nvPr/>
-            </p:nvPicPr>
-            <p:blipFill>
-              <a:blip r:embed="rId9">
-                <a:extLst>
-                  <a:ext uri="{28A0092B-C50C-407E-A947-70E740481C1C}">
-                    <a14:useLocalDpi xmlns:a14="http://schemas.microsoft.com/office/drawing/2010/main" val="0"/>
-                  </a:ext>
-                </a:extLst>
-              </a:blip>
-              <a:srcRect/>
-              <a:stretch>
-                <a:fillRect/>
-              </a:stretch>
-            </p:blipFill>
-            <p:spPr bwMode="auto">
-              <a:xfrm>
-                <a:off x="7959497" y="4179830"/>
-                <a:ext cx="433528" cy="433528"/>
-              </a:xfrm>
-              <a:prstGeom prst="ellipse">
-                <a:avLst/>
-              </a:prstGeom>
-              <a:noFill/>
-              <a:extLst>
-                <a:ext uri="{909E8E84-426E-40DD-AFC4-6F175D3DCCD1}">
-                  <a14:hiddenFill xmlns:a14="http://schemas.microsoft.com/office/drawing/2010/main">
-                    <a:solidFill>
-                      <a:srgbClr val="FFFFFF"/>
-                    </a:solidFill>
-                  </a14:hiddenFill>
-                </a:ext>
-              </a:extLst>
-            </p:spPr>
-          </p:pic>
-          <p:sp>
-            <p:nvSpPr>
-              <p:cNvPr id="30" name="TextBox 29">
-                <a:extLst>
-                  <a:ext uri="{FF2B5EF4-FFF2-40B4-BE49-F238E27FC236}">
-                    <a16:creationId xmlns:a16="http://schemas.microsoft.com/office/drawing/2014/main" id="{39216D8F-E31D-075C-BBF8-A2D8864498B8}"/>
-                  </a:ext>
-                </a:extLst>
-              </p:cNvPr>
-              <p:cNvSpPr txBox="1"/>
-              <p:nvPr/>
-            </p:nvSpPr>
-            <p:spPr>
-              <a:xfrm>
-                <a:off x="8330564" y="4138499"/>
-                <a:ext cx="2732493" cy="677108"/>
-              </a:xfrm>
-              <a:prstGeom prst="rect">
-                <a:avLst/>
-              </a:prstGeom>
-              <a:noFill/>
-            </p:spPr>
-            <p:txBody>
-              <a:bodyPr wrap="square">
-                <a:spAutoFit/>
-              </a:bodyPr>
-              <a:lstStyle/>
-              <a:p>
-                <a:pPr marL="0" marR="0" lvl="0" indent="0" algn="l" defTabSz="914400" rtl="0" eaLnBrk="1" fontAlgn="auto" latinLnBrk="1" hangingPunct="1">
-                  <a:lnSpc>
-                    <a:spcPct val="100000"/>
-                  </a:lnSpc>
-                  <a:spcBef>
-                    <a:spcPts val="0"/>
-                  </a:spcBef>
-                  <a:spcAft>
-                    <a:spcPts val="0"/>
-                  </a:spcAft>
-                  <a:buClrTx/>
-                  <a:buSzTx/>
-                  <a:buFontTx/>
-                  <a:buNone/>
-                  <a:tabLst/>
-                  <a:defRPr/>
-                </a:pPr>
-                <a:r>
-                  <a:rPr kumimoji="0" lang="ko-KR" altLang="en-US" sz="1600" b="0" i="0" u="none" strike="noStrike" kern="1200" cap="none" spc="0" normalizeH="0" baseline="0" noProof="0" dirty="0">
-                    <a:ln>
-                      <a:noFill/>
-                    </a:ln>
-                    <a:solidFill>
-                      <a:prstClr val="black"/>
-                    </a:solidFill>
-                    <a:effectLst/>
-                    <a:uLnTx/>
-                    <a:uFillTx/>
-                    <a:latin typeface="나눔스퀘어 네오 ExtraBold" panose="00000900000000000000" pitchFamily="2" charset="-127"/>
-                    <a:ea typeface="나눔스퀘어 네오 ExtraBold" panose="00000900000000000000" pitchFamily="2" charset="-127"/>
-                    <a:cs typeface="+mn-cs"/>
-                  </a:rPr>
-                  <a:t>지성원 </a:t>
-                </a:r>
-                <a:r>
-                  <a:rPr kumimoji="0" lang="en-US" altLang="ko-KR" sz="1100" b="0" i="0" u="none" strike="noStrike" kern="1200" cap="none" spc="0" normalizeH="0" baseline="0" noProof="0" dirty="0">
-                    <a:ln>
-                      <a:noFill/>
-                    </a:ln>
-                    <a:solidFill>
-                      <a:schemeClr val="bg2">
-                        <a:lumMod val="50000"/>
-                      </a:schemeClr>
-                    </a:solidFill>
-                    <a:effectLst/>
-                    <a:uLnTx/>
-                    <a:uFillTx/>
-                    <a:latin typeface="나눔스퀘어 네오 ExtraBold" panose="00000900000000000000" pitchFamily="2" charset="-127"/>
-                    <a:ea typeface="나눔스퀘어 네오 ExtraBold" panose="00000900000000000000" pitchFamily="2" charset="-127"/>
-                    <a:cs typeface="+mn-cs"/>
-                  </a:rPr>
-                  <a:t>@aa13245</a:t>
-                </a:r>
-                <a:endParaRPr kumimoji="0" lang="en-US" altLang="ko-KR" sz="1600" b="0" i="0" u="none" strike="noStrike" kern="1200" cap="none" spc="0" normalizeH="0" baseline="0" noProof="0" dirty="0">
+            <a:prstGeom prst="rect">
+              <a:avLst/>
+            </a:prstGeom>
+            <a:noFill/>
+          </p:spPr>
+          <p:txBody>
+            <a:bodyPr wrap="square">
+              <a:spAutoFit/>
+            </a:bodyPr>
+            <a:lstStyle/>
+            <a:p>
+              <a:pPr marL="0" marR="0" lvl="0" indent="0" algn="l" defTabSz="914400" rtl="0" eaLnBrk="1" fontAlgn="auto" latinLnBrk="1" hangingPunct="1">
+                <a:lnSpc>
+                  <a:spcPct val="100000"/>
+                </a:lnSpc>
+                <a:spcBef>
+                  <a:spcPts val="0"/>
+                </a:spcBef>
+                <a:spcAft>
+                  <a:spcPts val="0"/>
+                </a:spcAft>
+                <a:buClrTx/>
+                <a:buSzTx/>
+                <a:buFontTx/>
+                <a:buNone/>
+                <a:tabLst/>
+                <a:defRPr/>
+              </a:pPr>
+              <a:r>
+                <a:rPr kumimoji="0" lang="ko-KR" altLang="en-US" sz="1600" b="0" i="0" u="none" strike="noStrike" kern="1200" cap="none" spc="0" normalizeH="0" baseline="0" noProof="0" dirty="0">
+                  <a:ln>
+                    <a:noFill/>
+                  </a:ln>
+                  <a:solidFill>
+                    <a:prstClr val="black"/>
+                  </a:solidFill>
+                  <a:effectLst/>
+                  <a:uLnTx/>
+                  <a:uFillTx/>
+                  <a:latin typeface="나눔스퀘어 네오 ExtraBold" panose="00000900000000000000" pitchFamily="2" charset="-127"/>
+                  <a:ea typeface="나눔스퀘어 네오 ExtraBold" panose="00000900000000000000" pitchFamily="2" charset="-127"/>
+                  <a:cs typeface="+mn-cs"/>
+                </a:rPr>
+                <a:t>지성원 </a:t>
+              </a:r>
+              <a:r>
+                <a:rPr kumimoji="0" lang="en-US" altLang="ko-KR" sz="1100" b="0" i="0" u="none" strike="noStrike" kern="1200" cap="none" spc="0" normalizeH="0" baseline="0" noProof="0" dirty="0">
                   <a:ln>
                     <a:noFill/>
                   </a:ln>
@@ -6337,119 +6252,172 @@
                   <a:latin typeface="나눔스퀘어 네오 ExtraBold" panose="00000900000000000000" pitchFamily="2" charset="-127"/>
                   <a:ea typeface="나눔스퀘어 네오 ExtraBold" panose="00000900000000000000" pitchFamily="2" charset="-127"/>
                   <a:cs typeface="+mn-cs"/>
-                </a:endParaRPr>
-              </a:p>
-              <a:p>
-                <a:pPr marL="0" marR="0" lvl="0" indent="0" algn="l" defTabSz="914400" rtl="0" eaLnBrk="1" fontAlgn="auto" latinLnBrk="1" hangingPunct="1">
-                  <a:lnSpc>
-                    <a:spcPct val="100000"/>
-                  </a:lnSpc>
-                  <a:spcBef>
-                    <a:spcPts val="0"/>
-                  </a:spcBef>
-                  <a:spcAft>
-                    <a:spcPts val="0"/>
-                  </a:spcAft>
-                  <a:buClrTx/>
-                  <a:buSzTx/>
-                  <a:buFontTx/>
-                  <a:buNone/>
-                  <a:tabLst/>
-                  <a:defRPr/>
-                </a:pPr>
-                <a:r>
-                  <a:rPr lang="ko-KR" altLang="en-US" sz="1100" dirty="0">
-                    <a:solidFill>
-                      <a:prstClr val="black"/>
-                    </a:solidFill>
-                    <a:latin typeface="나눔스퀘어 네오 ExtraBold" panose="00000900000000000000" pitchFamily="2" charset="-127"/>
-                    <a:ea typeface="나눔스퀘어 네오 ExtraBold" panose="00000900000000000000" pitchFamily="2" charset="-127"/>
-                  </a:rPr>
-                  <a:t>팀원</a:t>
-                </a:r>
-                <a:r>
-                  <a:rPr lang="en-US" altLang="ko-KR" sz="1100" dirty="0">
-                    <a:solidFill>
-                      <a:prstClr val="black"/>
-                    </a:solidFill>
-                    <a:latin typeface="나눔스퀘어 네오 ExtraBold" panose="00000900000000000000" pitchFamily="2" charset="-127"/>
-                    <a:ea typeface="나눔스퀘어 네오 ExtraBold" panose="00000900000000000000" pitchFamily="2" charset="-127"/>
-                  </a:rPr>
-                  <a:t>/AP</a:t>
-                </a:r>
-                <a:r>
-                  <a:rPr lang="ko-KR" altLang="en-US" sz="1100" dirty="0">
-                    <a:solidFill>
-                      <a:prstClr val="black"/>
-                    </a:solidFill>
-                    <a:latin typeface="나눔스퀘어 네오 ExtraBold" panose="00000900000000000000" pitchFamily="2" charset="-127"/>
-                    <a:ea typeface="나눔스퀘어 네오 ExtraBold" panose="00000900000000000000" pitchFamily="2" charset="-127"/>
-                  </a:rPr>
-                  <a:t>서버</a:t>
-                </a:r>
-                <a:r>
-                  <a:rPr lang="en-US" altLang="ko-KR" sz="1100" dirty="0">
-                    <a:solidFill>
-                      <a:prstClr val="black"/>
-                    </a:solidFill>
-                    <a:latin typeface="나눔스퀘어 네오 ExtraBold" panose="00000900000000000000" pitchFamily="2" charset="-127"/>
-                    <a:ea typeface="나눔스퀘어 네오 ExtraBold" panose="00000900000000000000" pitchFamily="2" charset="-127"/>
-                  </a:rPr>
-                  <a:t>/</a:t>
-                </a:r>
-                <a:r>
-                  <a:rPr lang="ko-KR" altLang="en-US" sz="1100" dirty="0">
-                    <a:solidFill>
-                      <a:prstClr val="black"/>
-                    </a:solidFill>
-                    <a:latin typeface="나눔스퀘어 네오 ExtraBold" panose="00000900000000000000" pitchFamily="2" charset="-127"/>
-                    <a:ea typeface="나눔스퀘어 네오 ExtraBold" panose="00000900000000000000" pitchFamily="2" charset="-127"/>
-                  </a:rPr>
-                  <a:t>웹페이지</a:t>
-                </a:r>
-                <a:endParaRPr lang="en-US" altLang="ko-KR" sz="1100" dirty="0">
+                </a:rPr>
+                <a:t>@aa13245</a:t>
+              </a:r>
+              <a:endParaRPr kumimoji="0" lang="en-US" altLang="ko-KR" sz="1600" b="0" i="0" u="none" strike="noStrike" kern="1200" cap="none" spc="0" normalizeH="0" baseline="0" noProof="0" dirty="0">
+                <a:ln>
+                  <a:noFill/>
+                </a:ln>
+                <a:solidFill>
+                  <a:schemeClr val="bg2">
+                    <a:lumMod val="50000"/>
+                  </a:schemeClr>
+                </a:solidFill>
+                <a:effectLst/>
+                <a:uLnTx/>
+                <a:uFillTx/>
+                <a:latin typeface="나눔스퀘어 네오 ExtraBold" panose="00000900000000000000" pitchFamily="2" charset="-127"/>
+                <a:ea typeface="나눔스퀘어 네오 ExtraBold" panose="00000900000000000000" pitchFamily="2" charset="-127"/>
+                <a:cs typeface="+mn-cs"/>
+              </a:endParaRPr>
+            </a:p>
+            <a:p>
+              <a:pPr marL="0" marR="0" lvl="0" indent="0" algn="l" defTabSz="914400" rtl="0" eaLnBrk="1" fontAlgn="auto" latinLnBrk="1" hangingPunct="1">
+                <a:lnSpc>
+                  <a:spcPct val="100000"/>
+                </a:lnSpc>
+                <a:spcBef>
+                  <a:spcPts val="0"/>
+                </a:spcBef>
+                <a:spcAft>
+                  <a:spcPts val="0"/>
+                </a:spcAft>
+                <a:buClrTx/>
+                <a:buSzTx/>
+                <a:buFontTx/>
+                <a:buNone/>
+                <a:tabLst/>
+                <a:defRPr/>
+              </a:pPr>
+              <a:r>
+                <a:rPr lang="ko-KR" altLang="en-US" sz="1100" dirty="0">
                   <a:solidFill>
                     <a:prstClr val="black"/>
                   </a:solidFill>
                   <a:latin typeface="나눔스퀘어 네오 ExtraBold" panose="00000900000000000000" pitchFamily="2" charset="-127"/>
                   <a:ea typeface="나눔스퀘어 네오 ExtraBold" panose="00000900000000000000" pitchFamily="2" charset="-127"/>
-                </a:endParaRPr>
-              </a:p>
-              <a:p>
-                <a:pPr marL="0" marR="0" lvl="0" indent="0" algn="l" defTabSz="914400" rtl="0" eaLnBrk="1" fontAlgn="auto" latinLnBrk="1" hangingPunct="1">
-                  <a:lnSpc>
-                    <a:spcPct val="100000"/>
-                  </a:lnSpc>
-                  <a:spcBef>
-                    <a:spcPts val="0"/>
-                  </a:spcBef>
-                  <a:spcAft>
-                    <a:spcPts val="0"/>
-                  </a:spcAft>
-                  <a:buClrTx/>
-                  <a:buSzTx/>
-                  <a:buFontTx/>
-                  <a:buNone/>
-                  <a:tabLst/>
-                  <a:defRPr/>
-                </a:pPr>
-                <a:r>
-                  <a:rPr lang="en-US" altLang="ko-KR" sz="1100" dirty="0">
-                    <a:solidFill>
-                      <a:schemeClr val="bg2">
-                        <a:lumMod val="50000"/>
-                      </a:schemeClr>
-                    </a:solidFill>
-                    <a:latin typeface="나눔스퀘어 네오 ExtraBold" panose="00000900000000000000" pitchFamily="2" charset="-127"/>
-                    <a:ea typeface="나눔스퀘어 네오 ExtraBold" panose="00000900000000000000" pitchFamily="2" charset="-127"/>
-                  </a:rPr>
-                  <a:t>5649515@naver.com</a:t>
-                </a:r>
-              </a:p>
-            </p:txBody>
-          </p:sp>
-        </p:grpSp>
+                </a:rPr>
+                <a:t>팀원</a:t>
+              </a:r>
+              <a:r>
+                <a:rPr lang="en-US" altLang="ko-KR" sz="1100" dirty="0">
+                  <a:solidFill>
+                    <a:prstClr val="black"/>
+                  </a:solidFill>
+                  <a:latin typeface="나눔스퀘어 네오 ExtraBold" panose="00000900000000000000" pitchFamily="2" charset="-127"/>
+                  <a:ea typeface="나눔스퀘어 네오 ExtraBold" panose="00000900000000000000" pitchFamily="2" charset="-127"/>
+                </a:rPr>
+                <a:t>/AP</a:t>
+              </a:r>
+              <a:r>
+                <a:rPr lang="ko-KR" altLang="en-US" sz="1100" dirty="0">
+                  <a:solidFill>
+                    <a:prstClr val="black"/>
+                  </a:solidFill>
+                  <a:latin typeface="나눔스퀘어 네오 ExtraBold" panose="00000900000000000000" pitchFamily="2" charset="-127"/>
+                  <a:ea typeface="나눔스퀘어 네오 ExtraBold" panose="00000900000000000000" pitchFamily="2" charset="-127"/>
+                </a:rPr>
+                <a:t>서버</a:t>
+              </a:r>
+              <a:r>
+                <a:rPr lang="en-US" altLang="ko-KR" sz="1100" dirty="0">
+                  <a:solidFill>
+                    <a:prstClr val="black"/>
+                  </a:solidFill>
+                  <a:latin typeface="나눔스퀘어 네오 ExtraBold" panose="00000900000000000000" pitchFamily="2" charset="-127"/>
+                  <a:ea typeface="나눔스퀘어 네오 ExtraBold" panose="00000900000000000000" pitchFamily="2" charset="-127"/>
+                </a:rPr>
+                <a:t>/</a:t>
+              </a:r>
+              <a:r>
+                <a:rPr lang="ko-KR" altLang="en-US" sz="1100" dirty="0">
+                  <a:solidFill>
+                    <a:prstClr val="black"/>
+                  </a:solidFill>
+                  <a:latin typeface="나눔스퀘어 네오 ExtraBold" panose="00000900000000000000" pitchFamily="2" charset="-127"/>
+                  <a:ea typeface="나눔스퀘어 네오 ExtraBold" panose="00000900000000000000" pitchFamily="2" charset="-127"/>
+                </a:rPr>
+                <a:t>웹페이지</a:t>
+              </a:r>
+              <a:endParaRPr lang="en-US" altLang="ko-KR" sz="1100" dirty="0">
+                <a:solidFill>
+                  <a:prstClr val="black"/>
+                </a:solidFill>
+                <a:latin typeface="나눔스퀘어 네오 ExtraBold" panose="00000900000000000000" pitchFamily="2" charset="-127"/>
+                <a:ea typeface="나눔스퀘어 네오 ExtraBold" panose="00000900000000000000" pitchFamily="2" charset="-127"/>
+              </a:endParaRPr>
+            </a:p>
+            <a:p>
+              <a:pPr marL="0" marR="0" lvl="0" indent="0" algn="l" defTabSz="914400" rtl="0" eaLnBrk="1" fontAlgn="auto" latinLnBrk="1" hangingPunct="1">
+                <a:lnSpc>
+                  <a:spcPct val="100000"/>
+                </a:lnSpc>
+                <a:spcBef>
+                  <a:spcPts val="0"/>
+                </a:spcBef>
+                <a:spcAft>
+                  <a:spcPts val="0"/>
+                </a:spcAft>
+                <a:buClrTx/>
+                <a:buSzTx/>
+                <a:buFontTx/>
+                <a:buNone/>
+                <a:tabLst/>
+                <a:defRPr/>
+              </a:pPr>
+              <a:r>
+                <a:rPr lang="en-US" altLang="ko-KR" sz="1100" dirty="0">
+                  <a:solidFill>
+                    <a:schemeClr val="bg2">
+                      <a:lumMod val="50000"/>
+                    </a:schemeClr>
+                  </a:solidFill>
+                  <a:latin typeface="나눔스퀘어 네오 ExtraBold" panose="00000900000000000000" pitchFamily="2" charset="-127"/>
+                  <a:ea typeface="나눔스퀘어 네오 ExtraBold" panose="00000900000000000000" pitchFamily="2" charset="-127"/>
+                </a:rPr>
+                <a:t>5649515@naver.com</a:t>
+              </a:r>
+            </a:p>
+          </p:txBody>
+        </p:sp>
       </p:grpSp>
+      <p:pic>
+        <p:nvPicPr>
+          <p:cNvPr id="13" name="그림 12">
+            <a:extLst>
+              <a:ext uri="{FF2B5EF4-FFF2-40B4-BE49-F238E27FC236}">
+                <a16:creationId xmlns:a16="http://schemas.microsoft.com/office/drawing/2014/main" id="{E2B8D1F4-E833-D43F-4E14-94DA2EB1F42D}"/>
+              </a:ext>
+            </a:extLst>
+          </p:cNvPr>
+          <p:cNvPicPr>
+            <a:picLocks noChangeAspect="1"/>
+          </p:cNvPicPr>
+          <p:nvPr/>
+        </p:nvPicPr>
+        <p:blipFill>
+          <a:blip r:embed="rId9">
+            <a:extLst>
+              <a:ext uri="{28A0092B-C50C-407E-A947-70E740481C1C}">
+                <a14:useLocalDpi xmlns:a14="http://schemas.microsoft.com/office/drawing/2010/main" val="0"/>
+              </a:ext>
+            </a:extLst>
+          </a:blip>
+          <a:stretch>
+            <a:fillRect/>
+          </a:stretch>
+        </p:blipFill>
+        <p:spPr>
+          <a:xfrm>
+            <a:off x="2894695" y="3922090"/>
+            <a:ext cx="433526" cy="433526"/>
+          </a:xfrm>
+          <a:prstGeom prst="ellipse">
+            <a:avLst/>
+          </a:prstGeom>
+        </p:spPr>
+      </p:pic>
     </p:spTree>
     <p:extLst>
       <p:ext uri="{BB962C8B-B14F-4D97-AF65-F5344CB8AC3E}">

--- a/raspberry_Ecoarium/tkinter_img/ecoarium_imgset.pptx
+++ b/raspberry_Ecoarium/tkinter_img/ecoarium_imgset.pptx
@@ -4821,114 +4821,6 @@
             </a:p>
           </p:txBody>
         </p:sp>
-        <p:pic>
-          <p:nvPicPr>
-            <p:cNvPr id="14" name="그림 13">
-              <a:extLst>
-                <a:ext uri="{FF2B5EF4-FFF2-40B4-BE49-F238E27FC236}">
-                  <a16:creationId xmlns:a16="http://schemas.microsoft.com/office/drawing/2014/main" id="{DC6910B9-AFDF-A41E-6BE5-0A2C91E6E3C8}"/>
-                </a:ext>
-              </a:extLst>
-            </p:cNvPr>
-            <p:cNvPicPr>
-              <a:picLocks noChangeAspect="1"/>
-            </p:cNvPicPr>
-            <p:nvPr/>
-          </p:nvPicPr>
-          <p:blipFill>
-            <a:blip r:embed="rId2">
-              <a:extLst>
-                <a:ext uri="{28A0092B-C50C-407E-A947-70E740481C1C}">
-                  <a14:useLocalDpi xmlns:a14="http://schemas.microsoft.com/office/drawing/2010/main" val="0"/>
-                </a:ext>
-              </a:extLst>
-            </a:blip>
-            <a:stretch>
-              <a:fillRect/>
-            </a:stretch>
-          </p:blipFill>
-          <p:spPr>
-            <a:xfrm>
-              <a:off x="10399228" y="5587174"/>
-              <a:ext cx="488823" cy="366617"/>
-            </a:xfrm>
-            <a:prstGeom prst="rect">
-              <a:avLst/>
-            </a:prstGeom>
-          </p:spPr>
-        </p:pic>
-        <p:pic>
-          <p:nvPicPr>
-            <p:cNvPr id="15" name="그림 14">
-              <a:extLst>
-                <a:ext uri="{FF2B5EF4-FFF2-40B4-BE49-F238E27FC236}">
-                  <a16:creationId xmlns:a16="http://schemas.microsoft.com/office/drawing/2014/main" id="{5D7CEE9A-FE44-9185-49F8-37B1479E44C1}"/>
-                </a:ext>
-              </a:extLst>
-            </p:cNvPr>
-            <p:cNvPicPr>
-              <a:picLocks noChangeAspect="1"/>
-            </p:cNvPicPr>
-            <p:nvPr/>
-          </p:nvPicPr>
-          <p:blipFill>
-            <a:blip r:embed="rId3">
-              <a:extLst>
-                <a:ext uri="{28A0092B-C50C-407E-A947-70E740481C1C}">
-                  <a14:useLocalDpi xmlns:a14="http://schemas.microsoft.com/office/drawing/2010/main" val="0"/>
-                </a:ext>
-              </a:extLst>
-            </a:blip>
-            <a:stretch>
-              <a:fillRect/>
-            </a:stretch>
-          </p:blipFill>
-          <p:spPr>
-            <a:xfrm>
-              <a:off x="10776014" y="5587174"/>
-              <a:ext cx="366617" cy="366617"/>
-            </a:xfrm>
-            <a:prstGeom prst="rect">
-              <a:avLst/>
-            </a:prstGeom>
-          </p:spPr>
-        </p:pic>
-        <p:pic>
-          <p:nvPicPr>
-            <p:cNvPr id="16" name="그림 15" descr="그래픽, 원, 상징, 디자인이(가) 표시된 사진&#10;&#10;자동 생성된 설명">
-              <a:extLst>
-                <a:ext uri="{FF2B5EF4-FFF2-40B4-BE49-F238E27FC236}">
-                  <a16:creationId xmlns:a16="http://schemas.microsoft.com/office/drawing/2014/main" id="{9A9835EA-3F3D-54F6-FA01-BE095C377FF0}"/>
-                </a:ext>
-              </a:extLst>
-            </p:cNvPr>
-            <p:cNvPicPr>
-              <a:picLocks noChangeAspect="1"/>
-            </p:cNvPicPr>
-            <p:nvPr/>
-          </p:nvPicPr>
-          <p:blipFill>
-            <a:blip r:embed="rId4">
-              <a:extLst>
-                <a:ext uri="{28A0092B-C50C-407E-A947-70E740481C1C}">
-                  <a14:useLocalDpi xmlns:a14="http://schemas.microsoft.com/office/drawing/2010/main" val="0"/>
-                </a:ext>
-              </a:extLst>
-            </a:blip>
-            <a:stretch>
-              <a:fillRect/>
-            </a:stretch>
-          </p:blipFill>
-          <p:spPr>
-            <a:xfrm>
-              <a:off x="11109064" y="5587174"/>
-              <a:ext cx="366617" cy="366617"/>
-            </a:xfrm>
-            <a:prstGeom prst="rect">
-              <a:avLst/>
-            </a:prstGeom>
-          </p:spPr>
-        </p:pic>
       </p:grpSp>
       <p:grpSp>
         <p:nvGrpSpPr>
@@ -5236,7 +5128,7 @@
             <p:nvPr/>
           </p:nvPicPr>
           <p:blipFill>
-            <a:blip r:embed="rId5">
+            <a:blip r:embed="rId2">
               <a:extLst>
                 <a:ext uri="{28A0092B-C50C-407E-A947-70E740481C1C}">
                   <a14:useLocalDpi xmlns:a14="http://schemas.microsoft.com/office/drawing/2010/main" val="0"/>
@@ -5313,7 +5205,7 @@
               <p:nvPr/>
             </p:nvPicPr>
             <p:blipFill>
-              <a:blip r:embed="rId6">
+              <a:blip r:embed="rId3">
                 <a:extLst>
                   <a:ext uri="{28A0092B-C50C-407E-A947-70E740481C1C}">
                     <a14:useLocalDpi xmlns:a14="http://schemas.microsoft.com/office/drawing/2010/main" val="0"/>
@@ -5604,7 +5496,7 @@
               <p:nvPr/>
             </p:nvPicPr>
             <p:blipFill>
-              <a:blip r:embed="rId7">
+              <a:blip r:embed="rId4">
                 <a:extLst>
                   <a:ext uri="{28A0092B-C50C-407E-A947-70E740481C1C}">
                     <a14:useLocalDpi xmlns:a14="http://schemas.microsoft.com/office/drawing/2010/main" val="0"/>
@@ -5890,7 +5782,7 @@
               <p:nvPr/>
             </p:nvPicPr>
             <p:blipFill>
-              <a:blip r:embed="rId8">
+              <a:blip r:embed="rId5">
                 <a:extLst>
                   <a:ext uri="{28A0092B-C50C-407E-A947-70E740481C1C}">
                     <a14:useLocalDpi xmlns:a14="http://schemas.microsoft.com/office/drawing/2010/main" val="0"/>
@@ -6056,7 +5948,7 @@
                   <a:defRPr/>
                 </a:pPr>
                 <a:r>
-                  <a:rPr lang="ko-KR" altLang="en-US" sz="1100" dirty="0">
+                  <a:rPr lang="ko-KR" altLang="en-US" sz="1100">
                     <a:solidFill>
                       <a:prstClr val="black"/>
                     </a:solidFill>
@@ -6066,7 +5958,27 @@
                   <a:t>팀원</a:t>
                 </a:r>
                 <a:r>
-                  <a:rPr lang="en-US" altLang="ko-KR" sz="1100" dirty="0">
+                  <a:rPr lang="en-US" altLang="ko-KR" sz="1100">
+                    <a:solidFill>
+                      <a:prstClr val="black"/>
+                    </a:solidFill>
+                    <a:latin typeface="나눔스퀘어 네오 ExtraBold" panose="00000900000000000000" pitchFamily="2" charset="-127"/>
+                    <a:ea typeface="나눔스퀘어 네오 ExtraBold" panose="00000900000000000000" pitchFamily="2" charset="-127"/>
+                  </a:rPr>
+                  <a:t>/DB</a:t>
+                </a:r>
+                <a:r>
+                  <a:rPr lang="ko-KR" altLang="en-US" sz="1100">
+                    <a:solidFill>
+                      <a:prstClr val="black"/>
+                    </a:solidFill>
+                    <a:latin typeface="나눔스퀘어 네오 ExtraBold" panose="00000900000000000000" pitchFamily="2" charset="-127"/>
+                    <a:ea typeface="나눔스퀘어 네오 ExtraBold" panose="00000900000000000000" pitchFamily="2" charset="-127"/>
+                  </a:rPr>
+                  <a:t>서버</a:t>
+                </a:r>
+                <a:r>
+                  <a:rPr lang="en-US" altLang="ko-KR" sz="1100">
                     <a:solidFill>
                       <a:prstClr val="black"/>
                     </a:solidFill>
@@ -6076,7 +5988,7 @@
                   <a:t>/</a:t>
                 </a:r>
                 <a:r>
-                  <a:rPr lang="ko-KR" altLang="en-US" sz="1100" dirty="0">
+                  <a:rPr lang="ko-KR" altLang="en-US" sz="1100">
                     <a:solidFill>
                       <a:prstClr val="black"/>
                     </a:solidFill>
@@ -6086,7 +5998,7 @@
                   <a:t>네트워크</a:t>
                 </a:r>
                 <a:r>
-                  <a:rPr lang="en-US" altLang="ko-KR" sz="1100" dirty="0">
+                  <a:rPr lang="en-US" altLang="ko-KR" sz="1100">
                     <a:solidFill>
                       <a:prstClr val="black"/>
                     </a:solidFill>
@@ -6096,7 +6008,7 @@
                   <a:t>/</a:t>
                 </a:r>
                 <a:r>
-                  <a:rPr lang="ko-KR" altLang="en-US" sz="1100" dirty="0">
+                  <a:rPr lang="ko-KR" altLang="en-US" sz="1100">
                     <a:solidFill>
                       <a:prstClr val="black"/>
                     </a:solidFill>
@@ -6105,27 +6017,7 @@
                   </a:rPr>
                   <a:t>보안</a:t>
                 </a:r>
-                <a:r>
-                  <a:rPr lang="en-US" altLang="ko-KR" sz="1100" dirty="0">
-                    <a:solidFill>
-                      <a:prstClr val="black"/>
-                    </a:solidFill>
-                    <a:latin typeface="나눔스퀘어 네오 ExtraBold" panose="00000900000000000000" pitchFamily="2" charset="-127"/>
-                    <a:ea typeface="나눔스퀘어 네오 ExtraBold" panose="00000900000000000000" pitchFamily="2" charset="-127"/>
-                  </a:rPr>
-                  <a:t>/DB</a:t>
-                </a:r>
-                <a:r>
-                  <a:rPr lang="ko-KR" altLang="en-US" sz="1100" dirty="0">
-                    <a:solidFill>
-                      <a:prstClr val="black"/>
-                    </a:solidFill>
-                    <a:latin typeface="나눔스퀘어 네오 ExtraBold" panose="00000900000000000000" pitchFamily="2" charset="-127"/>
-                    <a:ea typeface="나눔스퀘어 네오 ExtraBold" panose="00000900000000000000" pitchFamily="2" charset="-127"/>
-                  </a:rPr>
-                  <a:t>서버</a:t>
-                </a:r>
-                <a:endParaRPr lang="en-US" altLang="ko-KR" sz="1100" dirty="0">
+                <a:endParaRPr lang="en-US" altLang="ko-KR" sz="1100">
                   <a:solidFill>
                     <a:prstClr val="black"/>
                   </a:solidFill>
@@ -6152,7 +6044,7 @@
                   <a:defRPr/>
                 </a:pPr>
                 <a:r>
-                  <a:rPr kumimoji="0" lang="en-US" altLang="ko-KR" sz="1100" b="0" i="0" u="none" strike="noStrike" kern="1200" cap="none" spc="0" normalizeH="0" baseline="0" noProof="0" dirty="0">
+                  <a:rPr kumimoji="0" lang="en-US" altLang="ko-KR" sz="1100" b="0" i="0" u="none" strike="noStrike" kern="1200" cap="none" spc="0" normalizeH="0" baseline="0" noProof="0">
                     <a:ln>
                       <a:noFill/>
                     </a:ln>
@@ -6170,6 +6062,22 @@
                   </a:rPr>
                   <a:t>am20190954@gmail.com</a:t>
                 </a:r>
+                <a:endParaRPr kumimoji="0" lang="en-US" altLang="ko-KR" sz="1100" b="0" i="0" u="none" strike="noStrike" kern="1200" cap="none" spc="0" normalizeH="0" baseline="0" noProof="0" dirty="0">
+                  <a:ln>
+                    <a:noFill/>
+                  </a:ln>
+                  <a:solidFill>
+                    <a:schemeClr val="bg2">
+                      <a:lumMod val="50000"/>
+                    </a:schemeClr>
+                  </a:solidFill>
+                  <a:effectLst/>
+                  <a:uLnTx/>
+                  <a:uFillTx/>
+                  <a:latin typeface="나눔스퀘어 네오 ExtraBold" panose="00000900000000000000" pitchFamily="2" charset="-127"/>
+                  <a:ea typeface="나눔스퀘어 네오 ExtraBold" panose="00000900000000000000" pitchFamily="2" charset="-127"/>
+                  <a:cs typeface="+mn-cs"/>
+                </a:endParaRPr>
               </a:p>
             </p:txBody>
           </p:sp>
@@ -6397,7 +6305,7 @@
           <p:nvPr/>
         </p:nvPicPr>
         <p:blipFill>
-          <a:blip r:embed="rId9">
+          <a:blip r:embed="rId6">
             <a:extLst>
               <a:ext uri="{28A0092B-C50C-407E-A947-70E740481C1C}">
                 <a14:useLocalDpi xmlns:a14="http://schemas.microsoft.com/office/drawing/2010/main" val="0"/>
@@ -6418,6 +6326,100 @@
           </a:prstGeom>
         </p:spPr>
       </p:pic>
+      <p:sp>
+        <p:nvSpPr>
+          <p:cNvPr id="18" name="TextBox 17">
+            <a:extLst>
+              <a:ext uri="{FF2B5EF4-FFF2-40B4-BE49-F238E27FC236}">
+                <a16:creationId xmlns:a16="http://schemas.microsoft.com/office/drawing/2014/main" id="{C4B9EEC3-2AAE-106A-F26A-6C5728BA8E0B}"/>
+              </a:ext>
+            </a:extLst>
+          </p:cNvPr>
+          <p:cNvSpPr txBox="1"/>
+          <p:nvPr/>
+        </p:nvSpPr>
+        <p:spPr>
+          <a:xfrm>
+            <a:off x="6508750" y="5436417"/>
+            <a:ext cx="3388262" cy="230832"/>
+          </a:xfrm>
+          <a:prstGeom prst="rect">
+            <a:avLst/>
+          </a:prstGeom>
+          <a:noFill/>
+        </p:spPr>
+        <p:txBody>
+          <a:bodyPr wrap="square">
+            <a:spAutoFit/>
+          </a:bodyPr>
+          <a:lstStyle/>
+          <a:p>
+            <a:r>
+              <a:rPr kumimoji="0" lang="ko-KR" altLang="en-US" sz="900" b="0" i="1" u="none" strike="noStrike" kern="1200" cap="none" spc="0" normalizeH="0" baseline="0" noProof="0">
+                <a:ln>
+                  <a:noFill/>
+                </a:ln>
+                <a:solidFill>
+                  <a:schemeClr val="bg2">
+                    <a:lumMod val="75000"/>
+                  </a:schemeClr>
+                </a:solidFill>
+                <a:effectLst/>
+                <a:uLnTx/>
+                <a:uFillTx/>
+                <a:latin typeface="나눔스퀘어 네오 Light" panose="00000400000000000000" pitchFamily="2" charset="-127"/>
+                <a:ea typeface="나눔스퀘어 네오 Light" panose="00000400000000000000" pitchFamily="2" charset="-127"/>
+              </a:rPr>
+              <a:t>본 프로젝트에는 </a:t>
+            </a:r>
+            <a:r>
+              <a:rPr kumimoji="0" lang="en-US" altLang="ko-KR" sz="900" b="0" i="1" u="none" strike="noStrike" kern="1200" cap="none" spc="0" normalizeH="0" baseline="0" noProof="0">
+                <a:ln>
+                  <a:noFill/>
+                </a:ln>
+                <a:solidFill>
+                  <a:schemeClr val="bg2">
+                    <a:lumMod val="75000"/>
+                  </a:schemeClr>
+                </a:solidFill>
+                <a:effectLst/>
+                <a:uLnTx/>
+                <a:uFillTx/>
+                <a:latin typeface="나눔스퀘어 네오 Light" panose="00000400000000000000" pitchFamily="2" charset="-127"/>
+                <a:ea typeface="나눔스퀘어 네오 Light" panose="00000400000000000000" pitchFamily="2" charset="-127"/>
+              </a:rPr>
+              <a:t>NAVER</a:t>
+            </a:r>
+            <a:r>
+              <a:rPr kumimoji="0" lang="ko-KR" altLang="en-US" sz="900" b="0" i="1" u="none" strike="noStrike" kern="1200" cap="none" spc="0" normalizeH="0" baseline="0" noProof="0">
+                <a:ln>
+                  <a:noFill/>
+                </a:ln>
+                <a:solidFill>
+                  <a:schemeClr val="bg2">
+                    <a:lumMod val="75000"/>
+                  </a:schemeClr>
+                </a:solidFill>
+                <a:effectLst/>
+                <a:uLnTx/>
+                <a:uFillTx/>
+                <a:latin typeface="나눔스퀘어 네오 Light" panose="00000400000000000000" pitchFamily="2" charset="-127"/>
+                <a:ea typeface="나눔스퀘어 네오 Light" panose="00000400000000000000" pitchFamily="2" charset="-127"/>
+              </a:rPr>
+              <a:t>에서 제공한 나눔글꼴이 사용되었습니다</a:t>
+            </a:r>
+            <a:endParaRPr lang="ko-KR" altLang="en-US" sz="1100" i="1">
+              <a:solidFill>
+                <a:schemeClr val="bg2">
+                  <a:lumMod val="75000"/>
+                </a:schemeClr>
+              </a:solidFill>
+              <a:latin typeface="나눔스퀘어 네오 Light" panose="00000400000000000000" pitchFamily="2" charset="-127"/>
+              <a:ea typeface="나눔스퀘어 네오 Light" panose="00000400000000000000" pitchFamily="2" charset="-127"/>
+            </a:endParaRPr>
+          </a:p>
+        </p:txBody>
+      </p:sp>
     </p:spTree>
     <p:extLst>
       <p:ext uri="{BB962C8B-B14F-4D97-AF65-F5344CB8AC3E}">

--- a/raspberry_Ecoarium/tkinter_img/ecoarium_imgset.pptx
+++ b/raspberry_Ecoarium/tkinter_img/ecoarium_imgset.pptx
@@ -265,7 +265,7 @@
           <a:p>
             <a:fld id="{9AEC65EF-2E71-4BA5-BDA0-FFC2A60F4F8C}" type="datetimeFigureOut">
               <a:rPr lang="ko-KR" altLang="en-US" smtClean="0"/>
-              <a:t>2024-05-23</a:t>
+              <a:t>2024-05-27</a:t>
             </a:fld>
             <a:endParaRPr lang="ko-KR" altLang="en-US"/>
           </a:p>
@@ -463,7 +463,7 @@
           <a:p>
             <a:fld id="{9AEC65EF-2E71-4BA5-BDA0-FFC2A60F4F8C}" type="datetimeFigureOut">
               <a:rPr lang="ko-KR" altLang="en-US" smtClean="0"/>
-              <a:t>2024-05-23</a:t>
+              <a:t>2024-05-27</a:t>
             </a:fld>
             <a:endParaRPr lang="ko-KR" altLang="en-US"/>
           </a:p>
@@ -671,7 +671,7 @@
           <a:p>
             <a:fld id="{9AEC65EF-2E71-4BA5-BDA0-FFC2A60F4F8C}" type="datetimeFigureOut">
               <a:rPr lang="ko-KR" altLang="en-US" smtClean="0"/>
-              <a:t>2024-05-23</a:t>
+              <a:t>2024-05-27</a:t>
             </a:fld>
             <a:endParaRPr lang="ko-KR" altLang="en-US"/>
           </a:p>
@@ -869,7 +869,7 @@
           <a:p>
             <a:fld id="{9AEC65EF-2E71-4BA5-BDA0-FFC2A60F4F8C}" type="datetimeFigureOut">
               <a:rPr lang="ko-KR" altLang="en-US" smtClean="0"/>
-              <a:t>2024-05-23</a:t>
+              <a:t>2024-05-27</a:t>
             </a:fld>
             <a:endParaRPr lang="ko-KR" altLang="en-US"/>
           </a:p>
@@ -1144,7 +1144,7 @@
           <a:p>
             <a:fld id="{9AEC65EF-2E71-4BA5-BDA0-FFC2A60F4F8C}" type="datetimeFigureOut">
               <a:rPr lang="ko-KR" altLang="en-US" smtClean="0"/>
-              <a:t>2024-05-23</a:t>
+              <a:t>2024-05-27</a:t>
             </a:fld>
             <a:endParaRPr lang="ko-KR" altLang="en-US"/>
           </a:p>
@@ -1409,7 +1409,7 @@
           <a:p>
             <a:fld id="{9AEC65EF-2E71-4BA5-BDA0-FFC2A60F4F8C}" type="datetimeFigureOut">
               <a:rPr lang="ko-KR" altLang="en-US" smtClean="0"/>
-              <a:t>2024-05-23</a:t>
+              <a:t>2024-05-27</a:t>
             </a:fld>
             <a:endParaRPr lang="ko-KR" altLang="en-US"/>
           </a:p>
@@ -1821,7 +1821,7 @@
           <a:p>
             <a:fld id="{9AEC65EF-2E71-4BA5-BDA0-FFC2A60F4F8C}" type="datetimeFigureOut">
               <a:rPr lang="ko-KR" altLang="en-US" smtClean="0"/>
-              <a:t>2024-05-23</a:t>
+              <a:t>2024-05-27</a:t>
             </a:fld>
             <a:endParaRPr lang="ko-KR" altLang="en-US"/>
           </a:p>
@@ -1962,7 +1962,7 @@
           <a:p>
             <a:fld id="{9AEC65EF-2E71-4BA5-BDA0-FFC2A60F4F8C}" type="datetimeFigureOut">
               <a:rPr lang="ko-KR" altLang="en-US" smtClean="0"/>
-              <a:t>2024-05-23</a:t>
+              <a:t>2024-05-27</a:t>
             </a:fld>
             <a:endParaRPr lang="ko-KR" altLang="en-US"/>
           </a:p>
@@ -2075,7 +2075,7 @@
           <a:p>
             <a:fld id="{9AEC65EF-2E71-4BA5-BDA0-FFC2A60F4F8C}" type="datetimeFigureOut">
               <a:rPr lang="ko-KR" altLang="en-US" smtClean="0"/>
-              <a:t>2024-05-23</a:t>
+              <a:t>2024-05-27</a:t>
             </a:fld>
             <a:endParaRPr lang="ko-KR" altLang="en-US"/>
           </a:p>
@@ -2386,7 +2386,7 @@
           <a:p>
             <a:fld id="{9AEC65EF-2E71-4BA5-BDA0-FFC2A60F4F8C}" type="datetimeFigureOut">
               <a:rPr lang="ko-KR" altLang="en-US" smtClean="0"/>
-              <a:t>2024-05-23</a:t>
+              <a:t>2024-05-27</a:t>
             </a:fld>
             <a:endParaRPr lang="ko-KR" altLang="en-US"/>
           </a:p>
@@ -2674,7 +2674,7 @@
           <a:p>
             <a:fld id="{9AEC65EF-2E71-4BA5-BDA0-FFC2A60F4F8C}" type="datetimeFigureOut">
               <a:rPr lang="ko-KR" altLang="en-US" smtClean="0"/>
-              <a:t>2024-05-23</a:t>
+              <a:t>2024-05-27</a:t>
             </a:fld>
             <a:endParaRPr lang="ko-KR" altLang="en-US"/>
           </a:p>
@@ -2915,7 +2915,7 @@
           <a:p>
             <a:fld id="{9AEC65EF-2E71-4BA5-BDA0-FFC2A60F4F8C}" type="datetimeFigureOut">
               <a:rPr lang="ko-KR" altLang="en-US" smtClean="0"/>
-              <a:t>2024-05-23</a:t>
+              <a:t>2024-05-27</a:t>
             </a:fld>
             <a:endParaRPr lang="ko-KR" altLang="en-US"/>
           </a:p>
@@ -4821,6 +4821,114 @@
             </a:p>
           </p:txBody>
         </p:sp>
+        <p:pic>
+          <p:nvPicPr>
+            <p:cNvPr id="14" name="그림 13">
+              <a:extLst>
+                <a:ext uri="{FF2B5EF4-FFF2-40B4-BE49-F238E27FC236}">
+                  <a16:creationId xmlns:a16="http://schemas.microsoft.com/office/drawing/2014/main" id="{DC6910B9-AFDF-A41E-6BE5-0A2C91E6E3C8}"/>
+                </a:ext>
+              </a:extLst>
+            </p:cNvPr>
+            <p:cNvPicPr>
+              <a:picLocks noChangeAspect="1"/>
+            </p:cNvPicPr>
+            <p:nvPr/>
+          </p:nvPicPr>
+          <p:blipFill>
+            <a:blip r:embed="rId2">
+              <a:extLst>
+                <a:ext uri="{28A0092B-C50C-407E-A947-70E740481C1C}">
+                  <a14:useLocalDpi xmlns:a14="http://schemas.microsoft.com/office/drawing/2010/main" val="0"/>
+                </a:ext>
+              </a:extLst>
+            </a:blip>
+            <a:stretch>
+              <a:fillRect/>
+            </a:stretch>
+          </p:blipFill>
+          <p:spPr>
+            <a:xfrm>
+              <a:off x="10399228" y="5587174"/>
+              <a:ext cx="488823" cy="366617"/>
+            </a:xfrm>
+            <a:prstGeom prst="rect">
+              <a:avLst/>
+            </a:prstGeom>
+          </p:spPr>
+        </p:pic>
+        <p:pic>
+          <p:nvPicPr>
+            <p:cNvPr id="15" name="그림 14">
+              <a:extLst>
+                <a:ext uri="{FF2B5EF4-FFF2-40B4-BE49-F238E27FC236}">
+                  <a16:creationId xmlns:a16="http://schemas.microsoft.com/office/drawing/2014/main" id="{5D7CEE9A-FE44-9185-49F8-37B1479E44C1}"/>
+                </a:ext>
+              </a:extLst>
+            </p:cNvPr>
+            <p:cNvPicPr>
+              <a:picLocks noChangeAspect="1"/>
+            </p:cNvPicPr>
+            <p:nvPr/>
+          </p:nvPicPr>
+          <p:blipFill>
+            <a:blip r:embed="rId3">
+              <a:extLst>
+                <a:ext uri="{28A0092B-C50C-407E-A947-70E740481C1C}">
+                  <a14:useLocalDpi xmlns:a14="http://schemas.microsoft.com/office/drawing/2010/main" val="0"/>
+                </a:ext>
+              </a:extLst>
+            </a:blip>
+            <a:stretch>
+              <a:fillRect/>
+            </a:stretch>
+          </p:blipFill>
+          <p:spPr>
+            <a:xfrm>
+              <a:off x="10776014" y="5587174"/>
+              <a:ext cx="366617" cy="366617"/>
+            </a:xfrm>
+            <a:prstGeom prst="rect">
+              <a:avLst/>
+            </a:prstGeom>
+          </p:spPr>
+        </p:pic>
+        <p:pic>
+          <p:nvPicPr>
+            <p:cNvPr id="16" name="그림 15" descr="그래픽, 원, 상징, 디자인이(가) 표시된 사진&#10;&#10;자동 생성된 설명">
+              <a:extLst>
+                <a:ext uri="{FF2B5EF4-FFF2-40B4-BE49-F238E27FC236}">
+                  <a16:creationId xmlns:a16="http://schemas.microsoft.com/office/drawing/2014/main" id="{9A9835EA-3F3D-54F6-FA01-BE095C377FF0}"/>
+                </a:ext>
+              </a:extLst>
+            </p:cNvPr>
+            <p:cNvPicPr>
+              <a:picLocks noChangeAspect="1"/>
+            </p:cNvPicPr>
+            <p:nvPr/>
+          </p:nvPicPr>
+          <p:blipFill>
+            <a:blip r:embed="rId4">
+              <a:extLst>
+                <a:ext uri="{28A0092B-C50C-407E-A947-70E740481C1C}">
+                  <a14:useLocalDpi xmlns:a14="http://schemas.microsoft.com/office/drawing/2010/main" val="0"/>
+                </a:ext>
+              </a:extLst>
+            </a:blip>
+            <a:stretch>
+              <a:fillRect/>
+            </a:stretch>
+          </p:blipFill>
+          <p:spPr>
+            <a:xfrm>
+              <a:off x="11109064" y="5587174"/>
+              <a:ext cx="366617" cy="366617"/>
+            </a:xfrm>
+            <a:prstGeom prst="rect">
+              <a:avLst/>
+            </a:prstGeom>
+          </p:spPr>
+        </p:pic>
       </p:grpSp>
       <p:grpSp>
         <p:nvGrpSpPr>
@@ -5128,7 +5236,7 @@
             <p:nvPr/>
           </p:nvPicPr>
           <p:blipFill>
-            <a:blip r:embed="rId2">
+            <a:blip r:embed="rId5">
               <a:extLst>
                 <a:ext uri="{28A0092B-C50C-407E-A947-70E740481C1C}">
                   <a14:useLocalDpi xmlns:a14="http://schemas.microsoft.com/office/drawing/2010/main" val="0"/>
@@ -5205,7 +5313,7 @@
               <p:nvPr/>
             </p:nvPicPr>
             <p:blipFill>
-              <a:blip r:embed="rId3">
+              <a:blip r:embed="rId6">
                 <a:extLst>
                   <a:ext uri="{28A0092B-C50C-407E-A947-70E740481C1C}">
                     <a14:useLocalDpi xmlns:a14="http://schemas.microsoft.com/office/drawing/2010/main" val="0"/>
@@ -5496,7 +5604,7 @@
               <p:nvPr/>
             </p:nvPicPr>
             <p:blipFill>
-              <a:blip r:embed="rId4">
+              <a:blip r:embed="rId7">
                 <a:extLst>
                   <a:ext uri="{28A0092B-C50C-407E-A947-70E740481C1C}">
                     <a14:useLocalDpi xmlns:a14="http://schemas.microsoft.com/office/drawing/2010/main" val="0"/>
@@ -5782,7 +5890,7 @@
               <p:nvPr/>
             </p:nvPicPr>
             <p:blipFill>
-              <a:blip r:embed="rId5">
+              <a:blip r:embed="rId8">
                 <a:extLst>
                   <a:ext uri="{28A0092B-C50C-407E-A947-70E740481C1C}">
                     <a14:useLocalDpi xmlns:a14="http://schemas.microsoft.com/office/drawing/2010/main" val="0"/>
@@ -5948,7 +6056,7 @@
                   <a:defRPr/>
                 </a:pPr>
                 <a:r>
-                  <a:rPr lang="ko-KR" altLang="en-US" sz="1100">
+                  <a:rPr lang="ko-KR" altLang="en-US" sz="1100" dirty="0">
                     <a:solidFill>
                       <a:prstClr val="black"/>
                     </a:solidFill>
@@ -5958,7 +6066,47 @@
                   <a:t>팀원</a:t>
                 </a:r>
                 <a:r>
-                  <a:rPr lang="en-US" altLang="ko-KR" sz="1100">
+                  <a:rPr lang="en-US" altLang="ko-KR" sz="1100" dirty="0">
+                    <a:solidFill>
+                      <a:prstClr val="black"/>
+                    </a:solidFill>
+                    <a:latin typeface="나눔스퀘어 네오 ExtraBold" panose="00000900000000000000" pitchFamily="2" charset="-127"/>
+                    <a:ea typeface="나눔스퀘어 네오 ExtraBold" panose="00000900000000000000" pitchFamily="2" charset="-127"/>
+                  </a:rPr>
+                  <a:t>/</a:t>
+                </a:r>
+                <a:r>
+                  <a:rPr lang="ko-KR" altLang="en-US" sz="1100" dirty="0">
+                    <a:solidFill>
+                      <a:prstClr val="black"/>
+                    </a:solidFill>
+                    <a:latin typeface="나눔스퀘어 네오 ExtraBold" panose="00000900000000000000" pitchFamily="2" charset="-127"/>
+                    <a:ea typeface="나눔스퀘어 네오 ExtraBold" panose="00000900000000000000" pitchFamily="2" charset="-127"/>
+                  </a:rPr>
+                  <a:t>네트워크</a:t>
+                </a:r>
+                <a:r>
+                  <a:rPr lang="en-US" altLang="ko-KR" sz="1100" dirty="0">
+                    <a:solidFill>
+                      <a:prstClr val="black"/>
+                    </a:solidFill>
+                    <a:latin typeface="나눔스퀘어 네오 ExtraBold" panose="00000900000000000000" pitchFamily="2" charset="-127"/>
+                    <a:ea typeface="나눔스퀘어 네오 ExtraBold" panose="00000900000000000000" pitchFamily="2" charset="-127"/>
+                  </a:rPr>
+                  <a:t>/</a:t>
+                </a:r>
+                <a:r>
+                  <a:rPr lang="ko-KR" altLang="en-US" sz="1100" dirty="0">
+                    <a:solidFill>
+                      <a:prstClr val="black"/>
+                    </a:solidFill>
+                    <a:latin typeface="나눔스퀘어 네오 ExtraBold" panose="00000900000000000000" pitchFamily="2" charset="-127"/>
+                    <a:ea typeface="나눔스퀘어 네오 ExtraBold" panose="00000900000000000000" pitchFamily="2" charset="-127"/>
+                  </a:rPr>
+                  <a:t>보안</a:t>
+                </a:r>
+                <a:r>
+                  <a:rPr lang="en-US" altLang="ko-KR" sz="1100" dirty="0">
                     <a:solidFill>
                       <a:prstClr val="black"/>
                     </a:solidFill>
@@ -5968,7 +6116,7 @@
                   <a:t>/DB</a:t>
                 </a:r>
                 <a:r>
-                  <a:rPr lang="ko-KR" altLang="en-US" sz="1100">
+                  <a:rPr lang="ko-KR" altLang="en-US" sz="1100" dirty="0">
                     <a:solidFill>
                       <a:prstClr val="black"/>
                     </a:solidFill>
@@ -5977,47 +6125,7 @@
                   </a:rPr>
                   <a:t>서버</a:t>
                 </a:r>
-                <a:r>
-                  <a:rPr lang="en-US" altLang="ko-KR" sz="1100">
-                    <a:solidFill>
-                      <a:prstClr val="black"/>
-                    </a:solidFill>
-                    <a:latin typeface="나눔스퀘어 네오 ExtraBold" panose="00000900000000000000" pitchFamily="2" charset="-127"/>
-                    <a:ea typeface="나눔스퀘어 네오 ExtraBold" panose="00000900000000000000" pitchFamily="2" charset="-127"/>
-                  </a:rPr>
-                  <a:t>/</a:t>
-                </a:r>
-                <a:r>
-                  <a:rPr lang="ko-KR" altLang="en-US" sz="1100">
-                    <a:solidFill>
-                      <a:prstClr val="black"/>
-                    </a:solidFill>
-                    <a:latin typeface="나눔스퀘어 네오 ExtraBold" panose="00000900000000000000" pitchFamily="2" charset="-127"/>
-                    <a:ea typeface="나눔스퀘어 네오 ExtraBold" panose="00000900000000000000" pitchFamily="2" charset="-127"/>
-                  </a:rPr>
-                  <a:t>네트워크</a:t>
-                </a:r>
-                <a:r>
-                  <a:rPr lang="en-US" altLang="ko-KR" sz="1100">
-                    <a:solidFill>
-                      <a:prstClr val="black"/>
-                    </a:solidFill>
-                    <a:latin typeface="나눔스퀘어 네오 ExtraBold" panose="00000900000000000000" pitchFamily="2" charset="-127"/>
-                    <a:ea typeface="나눔스퀘어 네오 ExtraBold" panose="00000900000000000000" pitchFamily="2" charset="-127"/>
-                  </a:rPr>
-                  <a:t>/</a:t>
-                </a:r>
-                <a:r>
-                  <a:rPr lang="ko-KR" altLang="en-US" sz="1100">
-                    <a:solidFill>
-                      <a:prstClr val="black"/>
-                    </a:solidFill>
-                    <a:latin typeface="나눔스퀘어 네오 ExtraBold" panose="00000900000000000000" pitchFamily="2" charset="-127"/>
-                    <a:ea typeface="나눔스퀘어 네오 ExtraBold" panose="00000900000000000000" pitchFamily="2" charset="-127"/>
-                  </a:rPr>
-                  <a:t>보안</a:t>
-                </a:r>
-                <a:endParaRPr lang="en-US" altLang="ko-KR" sz="1100">
+                <a:endParaRPr lang="en-US" altLang="ko-KR" sz="1100" dirty="0">
                   <a:solidFill>
                     <a:prstClr val="black"/>
                   </a:solidFill>
@@ -6044,7 +6152,7 @@
                   <a:defRPr/>
                 </a:pPr>
                 <a:r>
-                  <a:rPr kumimoji="0" lang="en-US" altLang="ko-KR" sz="1100" b="0" i="0" u="none" strike="noStrike" kern="1200" cap="none" spc="0" normalizeH="0" baseline="0" noProof="0">
+                  <a:rPr kumimoji="0" lang="en-US" altLang="ko-KR" sz="1100" b="0" i="0" u="none" strike="noStrike" kern="1200" cap="none" spc="0" normalizeH="0" baseline="0" noProof="0" dirty="0">
                     <a:ln>
                       <a:noFill/>
                     </a:ln>
@@ -6062,22 +6170,6 @@
                   </a:rPr>
                   <a:t>am20190954@gmail.com</a:t>
                 </a:r>
-                <a:endParaRPr kumimoji="0" lang="en-US" altLang="ko-KR" sz="1100" b="0" i="0" u="none" strike="noStrike" kern="1200" cap="none" spc="0" normalizeH="0" baseline="0" noProof="0" dirty="0">
-                  <a:ln>
-                    <a:noFill/>
-                  </a:ln>
-                  <a:solidFill>
-                    <a:schemeClr val="bg2">
-                      <a:lumMod val="50000"/>
-                    </a:schemeClr>
-                  </a:solidFill>
-                  <a:effectLst/>
-                  <a:uLnTx/>
-                  <a:uFillTx/>
-                  <a:latin typeface="나눔스퀘어 네오 ExtraBold" panose="00000900000000000000" pitchFamily="2" charset="-127"/>
-                  <a:ea typeface="나눔스퀘어 네오 ExtraBold" panose="00000900000000000000" pitchFamily="2" charset="-127"/>
-                  <a:cs typeface="+mn-cs"/>
-                </a:endParaRPr>
               </a:p>
             </p:txBody>
           </p:sp>
@@ -6305,7 +6397,7 @@
           <p:nvPr/>
         </p:nvPicPr>
         <p:blipFill>
-          <a:blip r:embed="rId6">
+          <a:blip r:embed="rId9">
             <a:extLst>
               <a:ext uri="{28A0092B-C50C-407E-A947-70E740481C1C}">
                 <a14:useLocalDpi xmlns:a14="http://schemas.microsoft.com/office/drawing/2010/main" val="0"/>
@@ -6326,100 +6418,6 @@
           </a:prstGeom>
         </p:spPr>
       </p:pic>
-      <p:sp>
-        <p:nvSpPr>
-          <p:cNvPr id="18" name="TextBox 17">
-            <a:extLst>
-              <a:ext uri="{FF2B5EF4-FFF2-40B4-BE49-F238E27FC236}">
-                <a16:creationId xmlns:a16="http://schemas.microsoft.com/office/drawing/2014/main" id="{C4B9EEC3-2AAE-106A-F26A-6C5728BA8E0B}"/>
-              </a:ext>
-            </a:extLst>
-          </p:cNvPr>
-          <p:cNvSpPr txBox="1"/>
-          <p:nvPr/>
-        </p:nvSpPr>
-        <p:spPr>
-          <a:xfrm>
-            <a:off x="6508750" y="5436417"/>
-            <a:ext cx="3388262" cy="230832"/>
-          </a:xfrm>
-          <a:prstGeom prst="rect">
-            <a:avLst/>
-          </a:prstGeom>
-          <a:noFill/>
-        </p:spPr>
-        <p:txBody>
-          <a:bodyPr wrap="square">
-            <a:spAutoFit/>
-          </a:bodyPr>
-          <a:lstStyle/>
-          <a:p>
-            <a:r>
-              <a:rPr kumimoji="0" lang="ko-KR" altLang="en-US" sz="900" b="0" i="1" u="none" strike="noStrike" kern="1200" cap="none" spc="0" normalizeH="0" baseline="0" noProof="0">
-                <a:ln>
-                  <a:noFill/>
-                </a:ln>
-                <a:solidFill>
-                  <a:schemeClr val="bg2">
-                    <a:lumMod val="75000"/>
-                  </a:schemeClr>
-                </a:solidFill>
-                <a:effectLst/>
-                <a:uLnTx/>
-                <a:uFillTx/>
-                <a:latin typeface="나눔스퀘어 네오 Light" panose="00000400000000000000" pitchFamily="2" charset="-127"/>
-                <a:ea typeface="나눔스퀘어 네오 Light" panose="00000400000000000000" pitchFamily="2" charset="-127"/>
-              </a:rPr>
-              <a:t>본 프로젝트에는 </a:t>
-            </a:r>
-            <a:r>
-              <a:rPr kumimoji="0" lang="en-US" altLang="ko-KR" sz="900" b="0" i="1" u="none" strike="noStrike" kern="1200" cap="none" spc="0" normalizeH="0" baseline="0" noProof="0">
-                <a:ln>
-                  <a:noFill/>
-                </a:ln>
-                <a:solidFill>
-                  <a:schemeClr val="bg2">
-                    <a:lumMod val="75000"/>
-                  </a:schemeClr>
-                </a:solidFill>
-                <a:effectLst/>
-                <a:uLnTx/>
-                <a:uFillTx/>
-                <a:latin typeface="나눔스퀘어 네오 Light" panose="00000400000000000000" pitchFamily="2" charset="-127"/>
-                <a:ea typeface="나눔스퀘어 네오 Light" panose="00000400000000000000" pitchFamily="2" charset="-127"/>
-              </a:rPr>
-              <a:t>NAVER</a:t>
-            </a:r>
-            <a:r>
-              <a:rPr kumimoji="0" lang="ko-KR" altLang="en-US" sz="900" b="0" i="1" u="none" strike="noStrike" kern="1200" cap="none" spc="0" normalizeH="0" baseline="0" noProof="0">
-                <a:ln>
-                  <a:noFill/>
-                </a:ln>
-                <a:solidFill>
-                  <a:schemeClr val="bg2">
-                    <a:lumMod val="75000"/>
-                  </a:schemeClr>
-                </a:solidFill>
-                <a:effectLst/>
-                <a:uLnTx/>
-                <a:uFillTx/>
-                <a:latin typeface="나눔스퀘어 네오 Light" panose="00000400000000000000" pitchFamily="2" charset="-127"/>
-                <a:ea typeface="나눔스퀘어 네오 Light" panose="00000400000000000000" pitchFamily="2" charset="-127"/>
-              </a:rPr>
-              <a:t>에서 제공한 나눔글꼴이 사용되었습니다</a:t>
-            </a:r>
-            <a:endParaRPr lang="ko-KR" altLang="en-US" sz="1100" i="1">
-              <a:solidFill>
-                <a:schemeClr val="bg2">
-                  <a:lumMod val="75000"/>
-                </a:schemeClr>
-              </a:solidFill>
-              <a:latin typeface="나눔스퀘어 네오 Light" panose="00000400000000000000" pitchFamily="2" charset="-127"/>
-              <a:ea typeface="나눔스퀘어 네오 Light" panose="00000400000000000000" pitchFamily="2" charset="-127"/>
-            </a:endParaRPr>
-          </a:p>
-        </p:txBody>
-      </p:sp>
     </p:spTree>
     <p:extLst>
       <p:ext uri="{BB962C8B-B14F-4D97-AF65-F5344CB8AC3E}">
@@ -6687,7 +6685,7 @@
               <a:defRPr/>
             </a:pPr>
             <a:r>
-              <a:rPr kumimoji="0" lang="en-US" altLang="ko-KR" sz="9600" b="0" i="0" u="none" strike="noStrike" kern="1200" cap="none" spc="0" normalizeH="0" baseline="0" noProof="0" dirty="0">
+              <a:rPr kumimoji="0" lang="ko-KR" altLang="en-US" sz="9600" b="0" i="0" u="none" strike="noStrike" kern="1200" cap="none" spc="0" normalizeH="0" baseline="0" noProof="0" dirty="0">
                 <a:ln>
                   <a:noFill/>
                 </a:ln>
@@ -6703,24 +6701,8 @@
                 <a:ea typeface="나눔스퀘어 네오 ExtraBold" panose="00000900000000000000" pitchFamily="2" charset="-127"/>
                 <a:cs typeface="+mn-cs"/>
               </a:rPr>
-              <a:t>Admin</a:t>
+              <a:t>관리자</a:t>
             </a:r>
-            <a:endParaRPr kumimoji="0" lang="ko-KR" altLang="en-US" sz="9600" b="0" i="0" u="none" strike="noStrike" kern="1200" cap="none" spc="0" normalizeH="0" baseline="0" noProof="0" dirty="0">
-              <a:ln>
-                <a:noFill/>
-              </a:ln>
-              <a:solidFill>
-                <a:prstClr val="white">
-                  <a:lumMod val="95000"/>
-                </a:prstClr>
-              </a:solidFill>
-              <a:effectLst/>
-              <a:uLnTx/>
-              <a:uFillTx/>
-              <a:latin typeface="나눔스퀘어 네오 ExtraBold" panose="00000900000000000000" pitchFamily="2" charset="-127"/>
-              <a:ea typeface="나눔스퀘어 네오 ExtraBold" panose="00000900000000000000" pitchFamily="2" charset="-127"/>
-              <a:cs typeface="+mn-cs"/>
-            </a:endParaRPr>
           </a:p>
         </p:txBody>
       </p:sp>
@@ -6791,7 +6773,7 @@
               <a:defRPr/>
             </a:pPr>
             <a:r>
-              <a:rPr kumimoji="0" lang="en-US" altLang="ko-KR" sz="9600" b="0" i="0" u="none" strike="noStrike" kern="1200" cap="none" spc="0" normalizeH="0" baseline="0" noProof="0" dirty="0">
+              <a:rPr kumimoji="0" lang="ko-KR" altLang="en-US" sz="9600" b="0" i="0" u="none" strike="noStrike" kern="1200" cap="none" spc="0" normalizeH="0" baseline="0" noProof="0" dirty="0">
                 <a:ln>
                   <a:noFill/>
                 </a:ln>
@@ -6807,24 +6789,8 @@
                 <a:ea typeface="나눔스퀘어 네오 ExtraBold" panose="00000900000000000000" pitchFamily="2" charset="-127"/>
                 <a:cs typeface="+mn-cs"/>
               </a:rPr>
-              <a:t>Quit</a:t>
+              <a:t>종료</a:t>
             </a:r>
-            <a:endParaRPr kumimoji="0" lang="ko-KR" altLang="en-US" sz="9600" b="0" i="0" u="none" strike="noStrike" kern="1200" cap="none" spc="0" normalizeH="0" baseline="0" noProof="0" dirty="0">
-              <a:ln>
-                <a:noFill/>
-              </a:ln>
-              <a:solidFill>
-                <a:prstClr val="white">
-                  <a:lumMod val="95000"/>
-                </a:prstClr>
-              </a:solidFill>
-              <a:effectLst/>
-              <a:uLnTx/>
-              <a:uFillTx/>
-              <a:latin typeface="나눔스퀘어 네오 ExtraBold" panose="00000900000000000000" pitchFamily="2" charset="-127"/>
-              <a:ea typeface="나눔스퀘어 네오 ExtraBold" panose="00000900000000000000" pitchFamily="2" charset="-127"/>
-              <a:cs typeface="+mn-cs"/>
-            </a:endParaRPr>
           </a:p>
         </p:txBody>
       </p:sp>
@@ -6895,7 +6861,7 @@
               <a:defRPr/>
             </a:pPr>
             <a:r>
-              <a:rPr kumimoji="0" lang="en-US" altLang="ko-KR" sz="9600" b="0" i="0" u="none" strike="noStrike" kern="1200" cap="none" spc="0" normalizeH="0" baseline="0" noProof="0" dirty="0">
+              <a:rPr kumimoji="0" lang="ko-KR" altLang="en-US" sz="9600" b="0" i="0" u="none" strike="noStrike" kern="1200" cap="none" spc="0" normalizeH="0" baseline="0" noProof="0" dirty="0" err="1">
                 <a:ln>
                   <a:noFill/>
                 </a:ln>
@@ -6911,7 +6877,7 @@
                 <a:ea typeface="나눔스퀘어 네오 ExtraBold" panose="00000900000000000000" pitchFamily="2" charset="-127"/>
                 <a:cs typeface="+mn-cs"/>
               </a:rPr>
-              <a:t>Refresh</a:t>
+              <a:t>새로고침</a:t>
             </a:r>
             <a:endParaRPr kumimoji="0" lang="ko-KR" altLang="en-US" sz="9600" b="0" i="0" u="none" strike="noStrike" kern="1200" cap="none" spc="0" normalizeH="0" baseline="0" noProof="0" dirty="0">
               <a:ln>
@@ -7029,7 +6995,7 @@
               <a:defRPr/>
             </a:pPr>
             <a:r>
-              <a:rPr lang="en-US" altLang="ko-KR" sz="9600" dirty="0">
+              <a:rPr lang="ko-KR" altLang="en-US" sz="9600" dirty="0" err="1">
                 <a:solidFill>
                   <a:prstClr val="white">
                     <a:lumMod val="95000"/>
@@ -7038,45 +7004,7 @@
                 <a:latin typeface="나눔스퀘어 네오 ExtraBold" panose="00000900000000000000" pitchFamily="2" charset="-127"/>
                 <a:ea typeface="나눔스퀘어 네오 ExtraBold" panose="00000900000000000000" pitchFamily="2" charset="-127"/>
               </a:rPr>
-              <a:t>Door</a:t>
-            </a:r>
-          </a:p>
-          <a:p>
-            <a:pPr marL="0" marR="0" lvl="0" indent="0" algn="ctr" defTabSz="914400" rtl="0" eaLnBrk="1" fontAlgn="auto" latinLnBrk="1" hangingPunct="1">
-              <a:lnSpc>
-                <a:spcPct val="100000"/>
-              </a:lnSpc>
-              <a:spcBef>
-                <a:spcPts val="0"/>
-              </a:spcBef>
-              <a:spcAft>
-                <a:spcPts val="0"/>
-              </a:spcAft>
-              <a:buClrTx/>
-              <a:buSzTx/>
-              <a:buFontTx/>
-              <a:buNone/>
-              <a:tabLst/>
-              <a:defRPr/>
-            </a:pPr>
-            <a:r>
-              <a:rPr kumimoji="0" lang="en-US" altLang="ko-KR" sz="9600" b="0" i="0" u="none" strike="noStrike" kern="1200" cap="none" spc="0" normalizeH="0" baseline="0" noProof="0" dirty="0">
-                <a:ln>
-                  <a:noFill/>
-                </a:ln>
-                <a:solidFill>
-                  <a:prstClr val="white">
-                    <a:lumMod val="95000"/>
-                  </a:prstClr>
-                </a:solidFill>
-                <a:effectLst/>
-                <a:uLnTx/>
-                <a:uFillTx/>
-                <a:latin typeface="나눔스퀘어 네오 ExtraBold" panose="00000900000000000000" pitchFamily="2" charset="-127"/>
-                <a:ea typeface="나눔스퀘어 네오 ExtraBold" panose="00000900000000000000" pitchFamily="2" charset="-127"/>
-                <a:cs typeface="+mn-cs"/>
-              </a:rPr>
-              <a:t>OPEN</a:t>
+              <a:t>문열림</a:t>
             </a:r>
             <a:endParaRPr kumimoji="0" lang="ko-KR" altLang="en-US" sz="9600" b="0" i="0" u="none" strike="noStrike" kern="1200" cap="none" spc="0" normalizeH="0" baseline="0" noProof="0" dirty="0">
               <a:ln>
@@ -7164,7 +7092,7 @@
               <a:defRPr/>
             </a:pPr>
             <a:r>
-              <a:rPr kumimoji="0" lang="en-US" altLang="ko-KR" sz="9600" b="0" i="0" u="none" strike="noStrike" kern="1200" cap="none" spc="0" normalizeH="0" baseline="0" noProof="0" dirty="0">
+              <a:rPr kumimoji="0" lang="ko-KR" altLang="en-US" sz="9600" b="0" i="0" u="none" strike="noStrike" kern="1200" cap="none" spc="0" normalizeH="0" baseline="0" noProof="0" dirty="0" err="1">
                 <a:ln>
                   <a:noFill/>
                 </a:ln>
@@ -7180,38 +7108,7 @@
                 <a:ea typeface="나눔스퀘어 네오 ExtraBold" panose="00000900000000000000" pitchFamily="2" charset="-127"/>
                 <a:cs typeface="+mn-cs"/>
               </a:rPr>
-              <a:t>Door</a:t>
-            </a:r>
-          </a:p>
-          <a:p>
-            <a:pPr marL="0" marR="0" lvl="0" indent="0" algn="ctr" defTabSz="914400" rtl="0" eaLnBrk="1" fontAlgn="auto" latinLnBrk="1" hangingPunct="1">
-              <a:lnSpc>
-                <a:spcPct val="100000"/>
-              </a:lnSpc>
-              <a:spcBef>
-                <a:spcPts val="0"/>
-              </a:spcBef>
-              <a:spcAft>
-                <a:spcPts val="0"/>
-              </a:spcAft>
-              <a:buClrTx/>
-              <a:buSzTx/>
-              <a:buFontTx/>
-              <a:buNone/>
-              <a:tabLst/>
-              <a:defRPr/>
-            </a:pPr>
-            <a:r>
-              <a:rPr lang="en-US" altLang="ko-KR" sz="9600" dirty="0">
-                <a:solidFill>
-                  <a:prstClr val="white">
-                    <a:lumMod val="95000"/>
-                  </a:prstClr>
-                </a:solidFill>
-                <a:latin typeface="나눔스퀘어 네오 ExtraBold" panose="00000900000000000000" pitchFamily="2" charset="-127"/>
-                <a:ea typeface="나눔스퀘어 네오 ExtraBold" panose="00000900000000000000" pitchFamily="2" charset="-127"/>
-              </a:rPr>
-              <a:t>CLOSE</a:t>
+              <a:t>문닫힘</a:t>
             </a:r>
             <a:endParaRPr kumimoji="0" lang="ko-KR" altLang="en-US" sz="9600" b="0" i="0" u="none" strike="noStrike" kern="1200" cap="none" spc="0" normalizeH="0" baseline="0" noProof="0" dirty="0">
               <a:ln>
@@ -7299,6 +7196,25 @@
               <a:defRPr/>
             </a:pPr>
             <a:r>
+              <a:rPr kumimoji="0" lang="ko-KR" altLang="en-US" sz="9600" b="0" i="0" u="none" strike="noStrike" kern="1200" cap="none" spc="0" normalizeH="0" baseline="0" noProof="0" dirty="0">
+                <a:ln>
+                  <a:noFill/>
+                </a:ln>
+                <a:solidFill>
+                  <a:prstClr val="white">
+                    <a:lumMod val="95000"/>
+                  </a:prstClr>
+                </a:solidFill>
+                <a:effectLst/>
+                <a:uLnTx/>
+                <a:uFillTx/>
+                <a:latin typeface="나눔스퀘어 네오 ExtraBold" panose="00000900000000000000" pitchFamily="2" charset="-127"/>
+                <a:ea typeface="나눔스퀘어 네오 ExtraBold" panose="00000900000000000000" pitchFamily="2" charset="-127"/>
+                <a:cs typeface="+mn-cs"/>
+              </a:rPr>
+              <a:t>확인</a:t>
+            </a:r>
+            <a:r>
               <a:rPr kumimoji="0" lang="en-US" altLang="ko-KR" sz="9600" b="0" i="0" u="none" strike="noStrike" kern="1200" cap="none" spc="0" normalizeH="0" baseline="0" noProof="0" dirty="0">
                 <a:ln>
                   <a:noFill/>
@@ -7315,7 +7231,7 @@
                 <a:ea typeface="나눔스퀘어 네오 ExtraBold" panose="00000900000000000000" pitchFamily="2" charset="-127"/>
                 <a:cs typeface="+mn-cs"/>
               </a:rPr>
-              <a:t>OK!</a:t>
+              <a:t>!</a:t>
             </a:r>
             <a:endParaRPr kumimoji="0" lang="ko-KR" altLang="en-US" sz="9600" b="0" i="0" u="none" strike="noStrike" kern="1200" cap="none" spc="0" normalizeH="0" baseline="0" noProof="0" dirty="0">
               <a:ln>
@@ -7433,7 +7349,7 @@
               <a:defRPr/>
             </a:pPr>
             <a:r>
-              <a:rPr lang="en-US" altLang="ko-KR" sz="8000" dirty="0">
+              <a:rPr lang="ko-KR" altLang="en-US" sz="8000" dirty="0" err="1">
                 <a:solidFill>
                   <a:prstClr val="white">
                     <a:lumMod val="95000"/>
@@ -7442,38 +7358,7 @@
                 <a:latin typeface="나눔스퀘어 네오 ExtraBold" panose="00000900000000000000" pitchFamily="2" charset="-127"/>
                 <a:ea typeface="나눔스퀘어 네오 ExtraBold" panose="00000900000000000000" pitchFamily="2" charset="-127"/>
               </a:rPr>
-              <a:t>About</a:t>
-            </a:r>
-          </a:p>
-          <a:p>
-            <a:pPr marL="0" marR="0" lvl="0" indent="0" algn="ctr" defTabSz="914400" rtl="0" eaLnBrk="1" fontAlgn="auto" latinLnBrk="1" hangingPunct="1">
-              <a:lnSpc>
-                <a:spcPct val="100000"/>
-              </a:lnSpc>
-              <a:spcBef>
-                <a:spcPts val="0"/>
-              </a:spcBef>
-              <a:spcAft>
-                <a:spcPts val="0"/>
-              </a:spcAft>
-              <a:buClrTx/>
-              <a:buSzTx/>
-              <a:buFontTx/>
-              <a:buNone/>
-              <a:tabLst/>
-              <a:defRPr/>
-            </a:pPr>
-            <a:r>
-              <a:rPr lang="en-US" altLang="ko-KR" sz="8000" dirty="0" err="1">
-                <a:solidFill>
-                  <a:prstClr val="white">
-                    <a:lumMod val="95000"/>
-                  </a:prstClr>
-                </a:solidFill>
-                <a:latin typeface="나눔스퀘어 네오 ExtraBold" panose="00000900000000000000" pitchFamily="2" charset="-127"/>
-                <a:ea typeface="나눔스퀘어 네오 ExtraBold" panose="00000900000000000000" pitchFamily="2" charset="-127"/>
-              </a:rPr>
-              <a:t>Ecoarium</a:t>
+              <a:t>에코아리움</a:t>
             </a:r>
             <a:endParaRPr lang="en-US" altLang="ko-KR" sz="8000" dirty="0">
               <a:solidFill>
